--- a/Lektion 1 - Einführung & Übersicht.pptx
+++ b/Lektion 1 - Einführung & Übersicht.pptx
@@ -5519,11 +5519,7 @@
             </a:r>
             <a:r>
               <a:rPr lang="en-US" sz="3000" dirty="0" smtClean="0"/>
-              <a:t> </a:t>
-            </a:r>
-            <a:r>
-              <a:rPr lang="en-US" sz="3000" dirty="0" smtClean="0"/>
-              <a:t>&amp; </a:t>
+              <a:t> &amp; </a:t>
             </a:r>
             <a:r>
               <a:rPr lang="en-US" sz="3000" dirty="0" err="1" smtClean="0"/>
@@ -6761,7 +6757,6 @@
               <a:rPr lang="en-GB" dirty="0" smtClean="0"/>
               <a:t>-Events</a:t>
             </a:r>
-            <a:endParaRPr lang="en-GB" dirty="0" smtClean="0"/>
           </a:p>
           <a:p>
             <a:pPr marL="608013" lvl="1" indent="-342900">
@@ -9146,15 +9141,7 @@
           <a:p>
             <a:r>
               <a:rPr lang="en-GB" dirty="0" smtClean="0"/>
-              <a:t>The battle between </a:t>
-            </a:r>
-            <a:r>
-              <a:rPr lang="en-GB" dirty="0" smtClean="0"/>
-              <a:t>HTML 5 </a:t>
-            </a:r>
-            <a:r>
-              <a:rPr lang="en-GB" dirty="0" smtClean="0"/>
-              <a:t>web apps and native mobile apps is over</a:t>
+              <a:t>The battle between HTML 5 web apps and native mobile apps is over</a:t>
             </a:r>
             <a:endParaRPr lang="en-GB" dirty="0"/>
           </a:p>
@@ -9749,11 +9736,7 @@
             </a:r>
             <a:r>
               <a:rPr lang="en-GB" dirty="0" err="1" smtClean="0"/>
-              <a:t>sieht</a:t>
-            </a:r>
-            <a:r>
-              <a:rPr lang="en-GB" dirty="0" err="1" smtClean="0"/>
-              <a:t>’s</a:t>
+              <a:t>sieht’s</a:t>
             </a:r>
             <a:r>
               <a:rPr lang="en-GB" dirty="0" smtClean="0"/>
@@ -12933,7 +12916,7 @@
             <p:ph idx="1"/>
             <p:extLst>
               <p:ext uri="{D42A27DB-BD31-4B8C-83A1-F6EECF244321}">
-                <p14:modId xmlns:p14="http://schemas.microsoft.com/office/powerpoint/2010/main" val="1647101824"/>
+                <p14:modId xmlns:p14="http://schemas.microsoft.com/office/powerpoint/2010/main" val="3856859316"/>
               </p:ext>
             </p:extLst>
           </p:nvPr>
@@ -14004,10 +13987,6 @@
                     <a:bodyPr/>
                     <a:lstStyle/>
                     <a:p>
-                      <a:r>
-                        <a:rPr lang="en-GB" sz="1400" kern="1000" baseline="0" dirty="0" smtClean="0"/>
-                        <a:t>10</a:t>
-                      </a:r>
                       <a:endParaRPr lang="en-GB" sz="1400" kern="1000" baseline="0" dirty="0"/>
                     </a:p>
                   </a:txBody>
@@ -14087,6 +14066,10 @@
                     <a:bodyPr/>
                     <a:lstStyle/>
                     <a:p>
+                      <a:r>
+                        <a:rPr lang="en-GB" sz="1400" kern="1000" baseline="0" dirty="0" smtClean="0"/>
+                        <a:t>10</a:t>
+                      </a:r>
                       <a:endParaRPr lang="en-GB" sz="1400" kern="1000" baseline="0" dirty="0"/>
                     </a:p>
                   </a:txBody>
